--- a/99-Material/Coding Dojo III.pptx
+++ b/99-Material/Coding Dojo III.pptx
@@ -14220,7 +14220,7 @@
                 <a:cs typeface="Calibri"/>
                 <a:sym typeface="Calibri"/>
               </a:rPr>
-              <a:t> degradan su calidad al doble de velocidad que los normales.</a:t>
+              <a:t> degradan su calidad 2 unidades al día.</a:t>
             </a:r>
           </a:p>
           <a:p>
